--- a/Bajaj_presentation.pptx
+++ b/Bajaj_presentation.pptx
@@ -12,7 +12,9 @@
     <p:sldId id="260" r:id="rId6"/>
     <p:sldId id="261" r:id="rId7"/>
     <p:sldId id="262" r:id="rId8"/>
-    <p:sldId id="263" r:id="rId9"/>
+    <p:sldId id="264" r:id="rId9"/>
+    <p:sldId id="265" r:id="rId10"/>
+    <p:sldId id="263" r:id="rId11"/>
   </p:sldIdLst>
   <p:sldSz cx="12192000" cy="6858000"/>
   <p:notesSz cx="6858000" cy="9144000"/>
@@ -111,6 +113,11 @@
       </a:defRPr>
     </a:lvl9pPr>
   </p:defaultTextStyle>
+  <p:extLst>
+    <p:ext uri="{EFAFB233-063F-42B5-8137-9DF3F51BA10A}">
+      <p15:sldGuideLst xmlns:p15="http://schemas.microsoft.com/office/powerpoint/2012/main"/>
+    </p:ext>
+  </p:extLst>
 </p:presentation>
 </file>
 
@@ -1325,7 +1332,7 @@
           <a:p>
             <a:fld id="{FF7AD587-C429-DF44-899E-65E0B118C60F}" type="datetimeFigureOut">
               <a:rPr lang="en-US" smtClean="0"/>
-              <a:t>2/6/22</a:t>
+              <a:t>2/7/22</a:t>
             </a:fld>
             <a:endParaRPr lang="en-US"/>
           </a:p>
@@ -1563,7 +1570,7 @@
           <a:p>
             <a:fld id="{FF7AD587-C429-DF44-899E-65E0B118C60F}" type="datetimeFigureOut">
               <a:rPr lang="en-US" smtClean="0"/>
-              <a:t>2/6/22</a:t>
+              <a:t>2/7/22</a:t>
             </a:fld>
             <a:endParaRPr lang="en-US"/>
           </a:p>
@@ -1743,7 +1750,7 @@
           <a:p>
             <a:fld id="{FF7AD587-C429-DF44-899E-65E0B118C60F}" type="datetimeFigureOut">
               <a:rPr lang="en-US" smtClean="0"/>
-              <a:t>2/6/22</a:t>
+              <a:t>2/7/22</a:t>
             </a:fld>
             <a:endParaRPr lang="en-US"/>
           </a:p>
@@ -1913,7 +1920,7 @@
           <a:p>
             <a:fld id="{FF7AD587-C429-DF44-899E-65E0B118C60F}" type="datetimeFigureOut">
               <a:rPr lang="en-US" smtClean="0"/>
-              <a:t>2/6/22</a:t>
+              <a:t>2/7/22</a:t>
             </a:fld>
             <a:endParaRPr lang="en-US"/>
           </a:p>
@@ -2189,7 +2196,7 @@
           <a:p>
             <a:fld id="{FF7AD587-C429-DF44-899E-65E0B118C60F}" type="datetimeFigureOut">
               <a:rPr lang="en-US" smtClean="0"/>
-              <a:t>2/6/22</a:t>
+              <a:t>2/7/22</a:t>
             </a:fld>
             <a:endParaRPr lang="en-US"/>
           </a:p>
@@ -3390,7 +3397,7 @@
           <a:p>
             <a:fld id="{FF7AD587-C429-DF44-899E-65E0B118C60F}" type="datetimeFigureOut">
               <a:rPr lang="en-US" smtClean="0"/>
-              <a:t>2/6/22</a:t>
+              <a:t>2/7/22</a:t>
             </a:fld>
             <a:endParaRPr lang="en-US"/>
           </a:p>
@@ -3780,7 +3787,7 @@
           <a:p>
             <a:fld id="{FF7AD587-C429-DF44-899E-65E0B118C60F}" type="datetimeFigureOut">
               <a:rPr lang="en-US" smtClean="0"/>
-              <a:t>2/6/22</a:t>
+              <a:t>2/7/22</a:t>
             </a:fld>
             <a:endParaRPr lang="en-US"/>
           </a:p>
@@ -3903,7 +3910,7 @@
           <a:p>
             <a:fld id="{FF7AD587-C429-DF44-899E-65E0B118C60F}" type="datetimeFigureOut">
               <a:rPr lang="en-US" smtClean="0"/>
-              <a:t>2/6/22</a:t>
+              <a:t>2/7/22</a:t>
             </a:fld>
             <a:endParaRPr lang="en-US"/>
           </a:p>
@@ -3998,7 +4005,7 @@
           <a:p>
             <a:fld id="{FF7AD587-C429-DF44-899E-65E0B118C60F}" type="datetimeFigureOut">
               <a:rPr lang="en-US" smtClean="0"/>
-              <a:t>2/6/22</a:t>
+              <a:t>2/7/22</a:t>
             </a:fld>
             <a:endParaRPr lang="en-US"/>
           </a:p>
@@ -4761,7 +4768,7 @@
           <a:p>
             <a:fld id="{FF7AD587-C429-DF44-899E-65E0B118C60F}" type="datetimeFigureOut">
               <a:rPr lang="en-US" smtClean="0"/>
-              <a:t>2/6/22</a:t>
+              <a:t>2/7/22</a:t>
             </a:fld>
             <a:endParaRPr lang="en-US"/>
           </a:p>
@@ -5601,7 +5608,7 @@
           <a:p>
             <a:fld id="{FF7AD587-C429-DF44-899E-65E0B118C60F}" type="datetimeFigureOut">
               <a:rPr lang="en-US" smtClean="0"/>
-              <a:t>2/6/22</a:t>
+              <a:t>2/7/22</a:t>
             </a:fld>
             <a:endParaRPr lang="en-US"/>
           </a:p>
@@ -5828,7 +5835,7 @@
           <a:p>
             <a:fld id="{FF7AD587-C429-DF44-899E-65E0B118C60F}" type="datetimeFigureOut">
               <a:rPr lang="en-US" smtClean="0"/>
-              <a:t>2/6/22</a:t>
+              <a:t>2/7/22</a:t>
             </a:fld>
             <a:endParaRPr lang="en-US"/>
           </a:p>
@@ -12166,6 +12173,98 @@
 </p:sld>
 </file>
 
+<file path=ppt/slides/slide10.xml><?xml version="1.0" encoding="utf-8"?>
+<p:sld xmlns:a="http://schemas.openxmlformats.org/drawingml/2006/main" xmlns:r="http://schemas.openxmlformats.org/officeDocument/2006/relationships" xmlns:p="http://schemas.openxmlformats.org/presentationml/2006/main">
+  <p:cSld>
+    <p:spTree>
+      <p:nvGrpSpPr>
+        <p:cNvPr id="1" name=""/>
+        <p:cNvGrpSpPr/>
+        <p:nvPr/>
+      </p:nvGrpSpPr>
+      <p:grpSpPr>
+        <a:xfrm>
+          <a:off x="0" y="0"/>
+          <a:ext cx="0" cy="0"/>
+          <a:chOff x="0" y="0"/>
+          <a:chExt cx="0" cy="0"/>
+        </a:xfrm>
+      </p:grpSpPr>
+      <p:sp>
+        <p:nvSpPr>
+          <p:cNvPr id="2" name="Title 1">
+            <a:extLst>
+              <a:ext uri="{FF2B5EF4-FFF2-40B4-BE49-F238E27FC236}">
+                <a16:creationId xmlns:a16="http://schemas.microsoft.com/office/drawing/2014/main" id="{F17FC27C-0D18-7043-9828-7AE20287A0F2}"/>
+              </a:ext>
+            </a:extLst>
+          </p:cNvPr>
+          <p:cNvSpPr>
+            <a:spLocks noGrp="1"/>
+          </p:cNvSpPr>
+          <p:nvPr>
+            <p:ph type="title"/>
+          </p:nvPr>
+        </p:nvSpPr>
+        <p:spPr/>
+        <p:txBody>
+          <a:bodyPr/>
+          <a:lstStyle/>
+          <a:p>
+            <a:r>
+              <a:rPr lang="en-US" dirty="0"/>
+              <a:t>PROJECT OVERVIEW</a:t>
+            </a:r>
+          </a:p>
+        </p:txBody>
+      </p:sp>
+      <p:sp>
+        <p:nvSpPr>
+          <p:cNvPr id="3" name="Content Placeholder 2">
+            <a:extLst>
+              <a:ext uri="{FF2B5EF4-FFF2-40B4-BE49-F238E27FC236}">
+                <a16:creationId xmlns:a16="http://schemas.microsoft.com/office/drawing/2014/main" id="{F30AF312-477E-ED49-92CF-3D9CE9DDFE42}"/>
+              </a:ext>
+            </a:extLst>
+          </p:cNvPr>
+          <p:cNvSpPr>
+            <a:spLocks noGrp="1"/>
+          </p:cNvSpPr>
+          <p:nvPr>
+            <p:ph idx="1"/>
+          </p:nvPr>
+        </p:nvSpPr>
+        <p:spPr/>
+        <p:txBody>
+          <a:bodyPr/>
+          <a:lstStyle/>
+          <a:p>
+            <a:r>
+              <a:rPr lang="en-US" dirty="0"/>
+              <a:t>This project highlights the usage of hospital management system in a very effective way.</a:t>
+            </a:r>
+          </a:p>
+          <a:p>
+            <a:r>
+              <a:rPr lang="en-US" dirty="0"/>
+              <a:t>As I am new to these technologies, I tried to incorporate basic things which can work effectively and can be useful for this system</a:t>
+            </a:r>
+          </a:p>
+        </p:txBody>
+      </p:sp>
+    </p:spTree>
+    <p:extLst>
+      <p:ext uri="{BB962C8B-B14F-4D97-AF65-F5344CB8AC3E}">
+        <p14:creationId xmlns:p14="http://schemas.microsoft.com/office/powerpoint/2010/main" val="697399837"/>
+      </p:ext>
+    </p:extLst>
+  </p:cSld>
+  <p:clrMapOvr>
+    <a:masterClrMapping/>
+  </p:clrMapOvr>
+</p:sld>
+</file>
+
 <file path=ppt/slides/slide2.xml><?xml version="1.0" encoding="utf-8"?>
 <p:sld xmlns:a="http://schemas.openxmlformats.org/drawingml/2006/main" xmlns:r="http://schemas.openxmlformats.org/officeDocument/2006/relationships" xmlns:p="http://schemas.openxmlformats.org/presentationml/2006/main">
   <p:cSld>
@@ -13972,7 +14071,7 @@
           <p:cNvPr id="2" name="Title 1">
             <a:extLst>
               <a:ext uri="{FF2B5EF4-FFF2-40B4-BE49-F238E27FC236}">
-                <a16:creationId xmlns:a16="http://schemas.microsoft.com/office/drawing/2014/main" id="{F17FC27C-0D18-7043-9828-7AE20287A0F2}"/>
+                <a16:creationId xmlns:a16="http://schemas.microsoft.com/office/drawing/2014/main" id="{F744E0B8-0509-B64C-8273-0CD498B86095}"/>
               </a:ext>
             </a:extLst>
           </p:cNvPr>
@@ -13990,7 +14089,7 @@
           <a:p>
             <a:r>
               <a:rPr lang="en-US" dirty="0"/>
-              <a:t>PROJECT OVERVIEW</a:t>
+              <a:t>PROJECT DIAGRAM</a:t>
             </a:r>
           </a:p>
         </p:txBody>
@@ -14000,7 +14099,7 @@
           <p:cNvPr id="3" name="Content Placeholder 2">
             <a:extLst>
               <a:ext uri="{FF2B5EF4-FFF2-40B4-BE49-F238E27FC236}">
-                <a16:creationId xmlns:a16="http://schemas.microsoft.com/office/drawing/2014/main" id="{F30AF312-477E-ED49-92CF-3D9CE9DDFE42}"/>
+                <a16:creationId xmlns:a16="http://schemas.microsoft.com/office/drawing/2014/main" id="{7C633CC2-1EE6-5443-BAAF-9F9E2D2097ED}"/>
               </a:ext>
             </a:extLst>
           </p:cNvPr>
@@ -14016,23 +14115,98 @@
           <a:bodyPr/>
           <a:lstStyle/>
           <a:p>
-            <a:r>
-              <a:rPr lang="en-US" dirty="0"/>
-              <a:t>This project highlights the usage of hospital management system in a very effective way.</a:t>
-            </a:r>
-          </a:p>
-          <a:p>
-            <a:r>
-              <a:rPr lang="en-US" dirty="0"/>
-              <a:t>As I am new to these technologies, I tried to incorporate basic things which can work effectively and can be useful for this system</a:t>
-            </a:r>
+            <a:endParaRPr lang="en-US"/>
           </a:p>
         </p:txBody>
       </p:sp>
     </p:spTree>
     <p:extLst>
       <p:ext uri="{BB962C8B-B14F-4D97-AF65-F5344CB8AC3E}">
-        <p14:creationId xmlns:p14="http://schemas.microsoft.com/office/powerpoint/2010/main" val="697399837"/>
+        <p14:creationId xmlns:p14="http://schemas.microsoft.com/office/powerpoint/2010/main" val="1116847480"/>
+      </p:ext>
+    </p:extLst>
+  </p:cSld>
+  <p:clrMapOvr>
+    <a:masterClrMapping/>
+  </p:clrMapOvr>
+</p:sld>
+</file>
+
+<file path=ppt/slides/slide9.xml><?xml version="1.0" encoding="utf-8"?>
+<p:sld xmlns:a="http://schemas.openxmlformats.org/drawingml/2006/main" xmlns:r="http://schemas.openxmlformats.org/officeDocument/2006/relationships" xmlns:p="http://schemas.openxmlformats.org/presentationml/2006/main">
+  <p:cSld>
+    <p:spTree>
+      <p:nvGrpSpPr>
+        <p:cNvPr id="1" name=""/>
+        <p:cNvGrpSpPr/>
+        <p:nvPr/>
+      </p:nvGrpSpPr>
+      <p:grpSpPr>
+        <a:xfrm>
+          <a:off x="0" y="0"/>
+          <a:ext cx="0" cy="0"/>
+          <a:chOff x="0" y="0"/>
+          <a:chExt cx="0" cy="0"/>
+        </a:xfrm>
+      </p:grpSpPr>
+      <p:sp>
+        <p:nvSpPr>
+          <p:cNvPr id="2" name="Title 1">
+            <a:extLst>
+              <a:ext uri="{FF2B5EF4-FFF2-40B4-BE49-F238E27FC236}">
+                <a16:creationId xmlns:a16="http://schemas.microsoft.com/office/drawing/2014/main" id="{7E9FEFFE-5771-8645-95B0-B4315F64898C}"/>
+              </a:ext>
+            </a:extLst>
+          </p:cNvPr>
+          <p:cNvSpPr>
+            <a:spLocks noGrp="1"/>
+          </p:cNvSpPr>
+          <p:nvPr>
+            <p:ph type="title"/>
+          </p:nvPr>
+        </p:nvSpPr>
+        <p:spPr/>
+        <p:txBody>
+          <a:bodyPr/>
+          <a:lstStyle/>
+          <a:p>
+            <a:endParaRPr lang="en-US"/>
+          </a:p>
+        </p:txBody>
+      </p:sp>
+      <p:pic>
+        <p:nvPicPr>
+          <p:cNvPr id="5" name="Content Placeholder 4" descr="Diagram&#10;&#10;Description automatically generated">
+            <a:extLst>
+              <a:ext uri="{FF2B5EF4-FFF2-40B4-BE49-F238E27FC236}">
+                <a16:creationId xmlns:a16="http://schemas.microsoft.com/office/drawing/2014/main" id="{F925EAC3-189D-344E-AF11-E9ADBC8C6A8C}"/>
+              </a:ext>
+            </a:extLst>
+          </p:cNvPr>
+          <p:cNvPicPr>
+            <a:picLocks noGrp="1" noChangeAspect="1"/>
+          </p:cNvPicPr>
+          <p:nvPr>
+            <p:ph idx="1"/>
+          </p:nvPr>
+        </p:nvPicPr>
+        <p:blipFill>
+          <a:blip r:embed="rId2"/>
+          <a:stretch>
+            <a:fillRect/>
+          </a:stretch>
+        </p:blipFill>
+        <p:spPr>
+          <a:xfrm>
+            <a:off x="2914651" y="2286000"/>
+            <a:ext cx="6547818" cy="3786188"/>
+          </a:xfrm>
+        </p:spPr>
+      </p:pic>
+    </p:spTree>
+    <p:extLst>
+      <p:ext uri="{BB962C8B-B14F-4D97-AF65-F5344CB8AC3E}">
+        <p14:creationId xmlns:p14="http://schemas.microsoft.com/office/powerpoint/2010/main" val="51011101"/>
       </p:ext>
     </p:extLst>
   </p:cSld>
